--- a/Programacion web extendido/PW_Sesión30.pptx
+++ b/Programacion web extendido/PW_Sesión30.pptx
@@ -7,10 +7,10 @@
     <p:sldMasterId id="2147483704" r:id="rId3"/>
   </p:sldMasterIdLst>
   <p:notesMasterIdLst>
-    <p:notesMasterId r:id="rId14"/>
+    <p:notesMasterId r:id="rId15"/>
   </p:notesMasterIdLst>
   <p:handoutMasterIdLst>
-    <p:handoutMasterId r:id="rId15"/>
+    <p:handoutMasterId r:id="rId16"/>
   </p:handoutMasterIdLst>
   <p:sldIdLst>
     <p:sldId id="256" r:id="rId4"/>
@@ -18,11 +18,12 @@
     <p:sldId id="274" r:id="rId6"/>
     <p:sldId id="263" r:id="rId7"/>
     <p:sldId id="264" r:id="rId8"/>
-    <p:sldId id="265" r:id="rId9"/>
-    <p:sldId id="266" r:id="rId10"/>
-    <p:sldId id="267" r:id="rId11"/>
-    <p:sldId id="268" r:id="rId12"/>
-    <p:sldId id="261" r:id="rId13"/>
+    <p:sldId id="275" r:id="rId9"/>
+    <p:sldId id="265" r:id="rId10"/>
+    <p:sldId id="266" r:id="rId11"/>
+    <p:sldId id="267" r:id="rId12"/>
+    <p:sldId id="268" r:id="rId13"/>
+    <p:sldId id="261" r:id="rId14"/>
   </p:sldIdLst>
   <p:sldSz cx="12192000" cy="6858000"/>
   <p:notesSz cx="6858000" cy="9144000"/>
@@ -226,7 +227,7 @@
           <a:p>
             <a:fld id="{7FF7D7FF-DDC7-474C-8526-899954A31AD1}" type="datetimeFigureOut">
               <a:rPr lang="es-EC" smtClean="0"/>
-              <a:t>31/3/2024</a:t>
+              <a:t>1/10/2024</a:t>
             </a:fld>
             <a:endParaRPr lang="es-EC"/>
           </a:p>
@@ -403,7 +404,7 @@
           <a:p>
             <a:fld id="{A266080D-5226-48DF-A08B-67FADEB85FAB}" type="datetimeFigureOut">
               <a:rPr lang="es-419" smtClean="0"/>
-              <a:t>31/3/2024</a:t>
+              <a:t>1/10/2024</a:t>
             </a:fld>
             <a:endParaRPr lang="es-419"/>
           </a:p>
@@ -802,7 +803,7 @@
           <a:p>
             <a:fld id="{8FEB83C7-CE7D-EE43-931B-A983B2AE7CF3}" type="datetimeFigureOut">
               <a:rPr lang="es-EC" smtClean="0"/>
-              <a:t>31/3/2024</a:t>
+              <a:t>1/10/2024</a:t>
             </a:fld>
             <a:endParaRPr lang="es-EC"/>
           </a:p>
@@ -972,7 +973,7 @@
           <a:p>
             <a:fld id="{8FEB83C7-CE7D-EE43-931B-A983B2AE7CF3}" type="datetimeFigureOut">
               <a:rPr lang="es-EC" smtClean="0"/>
-              <a:t>31/3/2024</a:t>
+              <a:t>1/10/2024</a:t>
             </a:fld>
             <a:endParaRPr lang="es-EC"/>
           </a:p>
@@ -1152,7 +1153,7 @@
           <a:p>
             <a:fld id="{8FEB83C7-CE7D-EE43-931B-A983B2AE7CF3}" type="datetimeFigureOut">
               <a:rPr lang="es-EC" smtClean="0"/>
-              <a:t>31/3/2024</a:t>
+              <a:t>1/10/2024</a:t>
             </a:fld>
             <a:endParaRPr lang="es-EC"/>
           </a:p>
@@ -1544,7 +1545,7 @@
           <a:p>
             <a:fld id="{1D8BD707-D9CF-40AE-B4C6-C98DA3205C09}" type="datetimeFigureOut">
               <a:rPr lang="en-US"/>
-              <a:t>3/31/2024</a:t>
+              <a:t>10/1/2024</a:t>
             </a:fld>
             <a:endParaRPr lang="en-US"/>
           </a:p>
@@ -1755,7 +1756,7 @@
           <a:p>
             <a:fld id="{1D8BD707-D9CF-40AE-B4C6-C98DA3205C09}" type="datetimeFigureOut">
               <a:rPr lang="en-US"/>
-              <a:t>3/31/2024</a:t>
+              <a:t>10/1/2024</a:t>
             </a:fld>
             <a:endParaRPr lang="en-US"/>
           </a:p>
@@ -1979,7 +1980,7 @@
           <a:p>
             <a:fld id="{1D8BD707-D9CF-40AE-B4C6-C98DA3205C09}" type="datetimeFigureOut">
               <a:rPr lang="en-US"/>
-              <a:t>3/31/2024</a:t>
+              <a:t>10/1/2024</a:t>
             </a:fld>
             <a:endParaRPr lang="en-US"/>
           </a:p>
@@ -2167,7 +2168,7 @@
           <a:p>
             <a:fld id="{1D8BD707-D9CF-40AE-B4C6-C98DA3205C09}" type="datetimeFigureOut">
               <a:rPr lang="en-US"/>
-              <a:t>3/31/2024</a:t>
+              <a:t>10/1/2024</a:t>
             </a:fld>
             <a:endParaRPr lang="en-US"/>
           </a:p>
@@ -2291,7 +2292,7 @@
           <a:p>
             <a:fld id="{1D8BD707-D9CF-40AE-B4C6-C98DA3205C09}" type="datetimeFigureOut">
               <a:rPr lang="en-US"/>
-              <a:t>3/31/2024</a:t>
+              <a:t>10/1/2024</a:t>
             </a:fld>
             <a:endParaRPr lang="en-US"/>
           </a:p>
@@ -2451,7 +2452,7 @@
           <a:p>
             <a:fld id="{8FEB83C7-CE7D-EE43-931B-A983B2AE7CF3}" type="datetimeFigureOut">
               <a:rPr lang="es-EC" smtClean="0"/>
-              <a:t>31/3/2024</a:t>
+              <a:t>1/10/2024</a:t>
             </a:fld>
             <a:endParaRPr lang="es-EC"/>
           </a:p>
@@ -2513,6 +2514,72 @@
 </file>
 
 <file path=ppt/slideLayouts/slideLayout20.xml><?xml version="1.0" encoding="utf-8"?>
+<p:sldLayout xmlns:a="http://schemas.openxmlformats.org/drawingml/2006/main" xmlns:r="http://schemas.openxmlformats.org/officeDocument/2006/relationships" xmlns:p="http://schemas.openxmlformats.org/presentationml/2006/main" userDrawn="1">
+  <p:cSld name="Título y objetos">
+    <p:spTree>
+      <p:nvGrpSpPr>
+        <p:cNvPr id="1" name=""/>
+        <p:cNvGrpSpPr/>
+        <p:nvPr/>
+      </p:nvGrpSpPr>
+      <p:grpSpPr>
+        <a:xfrm>
+          <a:off x="0" y="0"/>
+          <a:ext cx="0" cy="0"/>
+          <a:chOff x="0" y="0"/>
+          <a:chExt cx="0" cy="0"/>
+        </a:xfrm>
+      </p:grpSpPr>
+      <p:pic>
+        <p:nvPicPr>
+          <p:cNvPr id="11" name="Gráfico 10">
+            <a:extLst>
+              <a:ext uri="{FF2B5EF4-FFF2-40B4-BE49-F238E27FC236}">
+                <a16:creationId xmlns:a16="http://schemas.microsoft.com/office/drawing/2014/main" id="{792C4263-B061-4225-864A-EFFE32EA01F1}"/>
+              </a:ext>
+            </a:extLst>
+          </p:cNvPr>
+          <p:cNvPicPr>
+            <a:picLocks noChangeAspect="1"/>
+          </p:cNvPicPr>
+          <p:nvPr userDrawn="1"/>
+        </p:nvPicPr>
+        <p:blipFill>
+          <a:blip r:embed="rId2">
+            <a:extLst>
+              <a:ext uri="{96DAC541-7B7A-43D3-8B79-37D633B846F1}">
+                <asvg:svgBlip xmlns:asvg="http://schemas.microsoft.com/office/drawing/2016/SVG/main" r:embed="rId3"/>
+              </a:ext>
+            </a:extLst>
+          </a:blip>
+          <a:stretch>
+            <a:fillRect/>
+          </a:stretch>
+        </p:blipFill>
+        <p:spPr>
+          <a:xfrm>
+            <a:off x="0" y="256696"/>
+            <a:ext cx="12192000" cy="6344608"/>
+          </a:xfrm>
+          <a:prstGeom prst="rect">
+            <a:avLst/>
+          </a:prstGeom>
+        </p:spPr>
+      </p:pic>
+    </p:spTree>
+    <p:extLst>
+      <p:ext uri="{BB962C8B-B14F-4D97-AF65-F5344CB8AC3E}">
+        <p14:creationId xmlns:p14="http://schemas.microsoft.com/office/powerpoint/2010/main" val="677322160"/>
+      </p:ext>
+    </p:extLst>
+  </p:cSld>
+  <p:clrMapOvr>
+    <a:masterClrMapping/>
+  </p:clrMapOvr>
+</p:sldLayout>
+</file>
+
+<file path=ppt/slideLayouts/slideLayout21.xml><?xml version="1.0" encoding="utf-8"?>
 <p:sldLayout xmlns:a="http://schemas.openxmlformats.org/drawingml/2006/main" xmlns:r="http://schemas.openxmlformats.org/officeDocument/2006/relationships" xmlns:p="http://schemas.openxmlformats.org/presentationml/2006/main" preserve="1" userDrawn="1">
   <p:cSld name="Diapositiva de título">
     <p:spTree>
@@ -2572,7 +2639,7 @@
 </p:sldLayout>
 </file>
 
-<file path=ppt/slideLayouts/slideLayout21.xml><?xml version="1.0" encoding="utf-8"?>
+<file path=ppt/slideLayouts/slideLayout22.xml><?xml version="1.0" encoding="utf-8"?>
 <p:sldLayout xmlns:a="http://schemas.openxmlformats.org/drawingml/2006/main" xmlns:r="http://schemas.openxmlformats.org/officeDocument/2006/relationships" xmlns:p="http://schemas.openxmlformats.org/presentationml/2006/main" preserve="1" userDrawn="1">
   <p:cSld name="Título y objetos">
     <p:spTree>
@@ -2638,7 +2705,7 @@
 </p:sldLayout>
 </file>
 
-<file path=ppt/slideLayouts/slideLayout22.xml><?xml version="1.0" encoding="utf-8"?>
+<file path=ppt/slideLayouts/slideLayout23.xml><?xml version="1.0" encoding="utf-8"?>
 <p:sldLayout xmlns:a="http://schemas.openxmlformats.org/drawingml/2006/main" xmlns:r="http://schemas.openxmlformats.org/officeDocument/2006/relationships" xmlns:p="http://schemas.openxmlformats.org/presentationml/2006/main" preserve="1" userDrawn="1">
   <p:cSld name="1_Título y objetos">
     <p:spTree>
@@ -2698,7 +2765,7 @@
 </p:sldLayout>
 </file>
 
-<file path=ppt/slideLayouts/slideLayout23.xml><?xml version="1.0" encoding="utf-8"?>
+<file path=ppt/slideLayouts/slideLayout24.xml><?xml version="1.0" encoding="utf-8"?>
 <p:sldLayout xmlns:a="http://schemas.openxmlformats.org/drawingml/2006/main" xmlns:r="http://schemas.openxmlformats.org/officeDocument/2006/relationships" xmlns:p="http://schemas.openxmlformats.org/presentationml/2006/main">
   <p:cSld name="DEFAULT">
     <p:bg>
@@ -2918,7 +2985,7 @@
           <a:p>
             <a:fld id="{8FEB83C7-CE7D-EE43-931B-A983B2AE7CF3}" type="datetimeFigureOut">
               <a:rPr lang="es-EC" smtClean="0"/>
-              <a:t>31/3/2024</a:t>
+              <a:t>1/10/2024</a:t>
             </a:fld>
             <a:endParaRPr lang="es-EC"/>
           </a:p>
@@ -3150,7 +3217,7 @@
           <a:p>
             <a:fld id="{8FEB83C7-CE7D-EE43-931B-A983B2AE7CF3}" type="datetimeFigureOut">
               <a:rPr lang="es-EC" smtClean="0"/>
-              <a:t>31/3/2024</a:t>
+              <a:t>1/10/2024</a:t>
             </a:fld>
             <a:endParaRPr lang="es-EC"/>
           </a:p>
@@ -3517,7 +3584,7 @@
           <a:p>
             <a:fld id="{8FEB83C7-CE7D-EE43-931B-A983B2AE7CF3}" type="datetimeFigureOut">
               <a:rPr lang="es-EC" smtClean="0"/>
-              <a:t>31/3/2024</a:t>
+              <a:t>1/10/2024</a:t>
             </a:fld>
             <a:endParaRPr lang="es-EC"/>
           </a:p>
@@ -3635,7 +3702,7 @@
           <a:p>
             <a:fld id="{8FEB83C7-CE7D-EE43-931B-A983B2AE7CF3}" type="datetimeFigureOut">
               <a:rPr lang="es-EC" smtClean="0"/>
-              <a:t>31/3/2024</a:t>
+              <a:t>1/10/2024</a:t>
             </a:fld>
             <a:endParaRPr lang="es-EC"/>
           </a:p>
@@ -3730,7 +3797,7 @@
           <a:p>
             <a:fld id="{8FEB83C7-CE7D-EE43-931B-A983B2AE7CF3}" type="datetimeFigureOut">
               <a:rPr lang="es-EC" smtClean="0"/>
-              <a:t>31/3/2024</a:t>
+              <a:t>1/10/2024</a:t>
             </a:fld>
             <a:endParaRPr lang="es-EC"/>
           </a:p>
@@ -4007,7 +4074,7 @@
           <a:p>
             <a:fld id="{8FEB83C7-CE7D-EE43-931B-A983B2AE7CF3}" type="datetimeFigureOut">
               <a:rPr lang="es-EC" smtClean="0"/>
-              <a:t>31/3/2024</a:t>
+              <a:t>1/10/2024</a:t>
             </a:fld>
             <a:endParaRPr lang="es-EC"/>
           </a:p>
@@ -4264,7 +4331,7 @@
           <a:p>
             <a:fld id="{8FEB83C7-CE7D-EE43-931B-A983B2AE7CF3}" type="datetimeFigureOut">
               <a:rPr lang="es-EC" smtClean="0"/>
-              <a:t>31/3/2024</a:t>
+              <a:t>1/10/2024</a:t>
             </a:fld>
             <a:endParaRPr lang="es-EC"/>
           </a:p>
@@ -4477,7 +4544,7 @@
           <a:p>
             <a:fld id="{8FEB83C7-CE7D-EE43-931B-A983B2AE7CF3}" type="datetimeFigureOut">
               <a:rPr lang="es-EC" smtClean="0"/>
-              <a:t>31/3/2024</a:t>
+              <a:t>1/10/2024</a:t>
             </a:fld>
             <a:endParaRPr lang="es-EC"/>
           </a:p>
@@ -5041,7 +5108,7 @@
           <a:p>
             <a:fld id="{1D8BD707-D9CF-40AE-B4C6-C98DA3205C09}" type="datetimeFigureOut">
               <a:rPr lang="en-US"/>
-              <a:t>3/31/2024</a:t>
+              <a:t>10/1/2024</a:t>
             </a:fld>
             <a:endParaRPr lang="en-US"/>
           </a:p>
@@ -5103,6 +5170,7 @@
     <p:sldLayoutId id="2147483701" r:id="rId3"/>
     <p:sldLayoutId id="2147483702" r:id="rId4"/>
     <p:sldLayoutId id="2147483703" r:id="rId5"/>
+    <p:sldLayoutId id="2147483709" r:id="rId6"/>
   </p:sldLayoutIdLst>
   <p:txStyles>
     <p:titleStyle>
@@ -5393,7 +5461,7 @@
           <a:p>
             <a:fld id="{8FEB83C7-CE7D-EE43-931B-A983B2AE7CF3}" type="datetimeFigureOut">
               <a:rPr lang="es-EC" smtClean="0"/>
-              <a:t>31/3/2024</a:t>
+              <a:t>1/10/2024</a:t>
             </a:fld>
             <a:endParaRPr lang="es-EC"/>
           </a:p>
@@ -5853,7 +5921,7 @@
         <p:spPr>
           <a:xfrm>
             <a:off x="7506759" y="5043217"/>
-            <a:ext cx="4398063" cy="646331"/>
+            <a:ext cx="4262064" cy="923330"/>
           </a:xfrm>
           <a:prstGeom prst="rect">
             <a:avLst/>
@@ -5868,22 +5936,239 @@
           <a:p>
             <a:r>
               <a:rPr lang="es-419" dirty="0"/>
-              <a:t>Sesión 17: Implementación de sitios web con</a:t>
-            </a:r>
-          </a:p>
-          <a:p>
-            <a:r>
-              <a:rPr lang="es-419" dirty="0"/>
-              <a:t>                     </a:t>
-            </a:r>
-            <a:r>
-              <a:rPr lang="es-419" dirty="0" err="1"/>
-              <a:t>PyScript</a:t>
-            </a:r>
-            <a:r>
-              <a:rPr lang="es-419" dirty="0"/>
-              <a:t> (parte 2) </a:t>
-            </a:r>
+              <a:t>Sesión 30:  </a:t>
+            </a:r>
+            <a:r>
+              <a:rPr lang="es-ES" dirty="0"/>
+              <a:t>Elaboración de un proyecto con </a:t>
+            </a:r>
+          </a:p>
+          <a:p>
+            <a:pPr algn="ctr"/>
+            <a:r>
+              <a:rPr lang="es-ES" dirty="0"/>
+              <a:t>programación.</a:t>
+            </a:r>
+          </a:p>
+          <a:p>
+            <a:pPr algn="ctr"/>
+            <a:r>
+              <a:rPr lang="es-ES" dirty="0"/>
+              <a:t>Presentación de proyectos.</a:t>
+            </a:r>
+            <a:endParaRPr lang="es-419" dirty="0"/>
+          </a:p>
+        </p:txBody>
+      </p:sp>
+      <p:sp>
+        <p:nvSpPr>
+          <p:cNvPr id="4" name="Rectangle 1">
+            <a:extLst>
+              <a:ext uri="{FF2B5EF4-FFF2-40B4-BE49-F238E27FC236}">
+                <a16:creationId xmlns:a16="http://schemas.microsoft.com/office/drawing/2014/main" id="{0DBFA336-18D4-4A39-BBE4-1E652A3B4CAB}"/>
+              </a:ext>
+            </a:extLst>
+          </p:cNvPr>
+          <p:cNvSpPr>
+            <a:spLocks noChangeArrowheads="1"/>
+          </p:cNvSpPr>
+          <p:nvPr/>
+        </p:nvSpPr>
+        <p:spPr bwMode="auto">
+          <a:xfrm>
+            <a:off x="838200" y="3684588"/>
+            <a:ext cx="12192000" cy="0"/>
+          </a:xfrm>
+          <a:prstGeom prst="rect">
+            <a:avLst/>
+          </a:prstGeom>
+          <a:noFill/>
+          <a:ln>
+            <a:noFill/>
+          </a:ln>
+          <a:effectLst/>
+          <a:extLst>
+            <a:ext uri="{909E8E84-426E-40DD-AFC4-6F175D3DCCD1}">
+              <a14:hiddenFill xmlns:a14="http://schemas.microsoft.com/office/drawing/2010/main">
+                <a:solidFill>
+                  <a:schemeClr val="accent1"/>
+                </a:solidFill>
+              </a14:hiddenFill>
+            </a:ext>
+            <a:ext uri="{91240B29-F687-4F45-9708-019B960494DF}">
+              <a14:hiddenLine xmlns:a14="http://schemas.microsoft.com/office/drawing/2010/main" w="9525">
+                <a:solidFill>
+                  <a:schemeClr val="tx1"/>
+                </a:solidFill>
+                <a:miter lim="800000"/>
+                <a:headEnd/>
+                <a:tailEnd/>
+              </a14:hiddenLine>
+            </a:ext>
+            <a:ext uri="{AF507438-7753-43E0-B8FC-AC1667EBCBE1}">
+              <a14:hiddenEffects xmlns:a14="http://schemas.microsoft.com/office/drawing/2010/main">
+                <a:effectLst>
+                  <a:outerShdw dist="35921" dir="2700000" algn="ctr" rotWithShape="0">
+                    <a:schemeClr val="bg2"/>
+                  </a:outerShdw>
+                </a:effectLst>
+              </a14:hiddenEffects>
+            </a:ext>
+          </a:extLst>
+        </p:spPr>
+        <p:txBody>
+          <a:bodyPr vert="horz" wrap="none" lIns="91440" tIns="45720" rIns="91440" bIns="45720" numCol="1" anchor="ctr" anchorCtr="0" compatLnSpc="1">
+            <a:prstTxWarp prst="textNoShape">
+              <a:avLst/>
+            </a:prstTxWarp>
+            <a:spAutoFit/>
+          </a:bodyPr>
+          <a:lstStyle/>
+          <a:p>
+            <a:pPr marL="0" marR="0" lvl="0" indent="0" algn="l" defTabSz="914400" rtl="0" eaLnBrk="0" fontAlgn="base" latinLnBrk="0" hangingPunct="0">
+              <a:lnSpc>
+                <a:spcPct val="100000"/>
+              </a:lnSpc>
+              <a:spcBef>
+                <a:spcPct val="0"/>
+              </a:spcBef>
+              <a:spcAft>
+                <a:spcPct val="0"/>
+              </a:spcAft>
+              <a:buClrTx/>
+              <a:buSzTx/>
+              <a:buFontTx/>
+              <a:buNone/>
+              <a:tabLst/>
+            </a:pPr>
+            <a:br>
+              <a:rPr kumimoji="0" lang="es-EC" altLang="es-EC" sz="1800" b="0" i="0" u="none" strike="noStrike" cap="none" normalizeH="0" baseline="0">
+                <a:ln>
+                  <a:noFill/>
+                </a:ln>
+                <a:solidFill>
+                  <a:schemeClr val="tx1"/>
+                </a:solidFill>
+                <a:effectLst/>
+                <a:latin typeface="Arial" panose="020B0604020202020204" pitchFamily="34" charset="0"/>
+              </a:rPr>
+            </a:br>
+            <a:endParaRPr kumimoji="0" lang="es-EC" altLang="es-EC" sz="1800" b="0" i="0" u="none" strike="noStrike" cap="none" normalizeH="0" baseline="0">
+              <a:ln>
+                <a:noFill/>
+              </a:ln>
+              <a:solidFill>
+                <a:schemeClr val="tx1"/>
+              </a:solidFill>
+              <a:effectLst/>
+              <a:latin typeface="Arial" panose="020B0604020202020204" pitchFamily="34" charset="0"/>
+            </a:endParaRPr>
+          </a:p>
+        </p:txBody>
+      </p:sp>
+      <p:sp>
+        <p:nvSpPr>
+          <p:cNvPr id="6" name="Rectangle 2">
+            <a:extLst>
+              <a:ext uri="{FF2B5EF4-FFF2-40B4-BE49-F238E27FC236}">
+                <a16:creationId xmlns:a16="http://schemas.microsoft.com/office/drawing/2014/main" id="{B866F6E9-E864-47EC-89C3-B08D767E2628}"/>
+              </a:ext>
+            </a:extLst>
+          </p:cNvPr>
+          <p:cNvSpPr>
+            <a:spLocks noChangeArrowheads="1"/>
+          </p:cNvSpPr>
+          <p:nvPr/>
+        </p:nvSpPr>
+        <p:spPr bwMode="auto">
+          <a:xfrm>
+            <a:off x="838200" y="3684588"/>
+            <a:ext cx="12192000" cy="0"/>
+          </a:xfrm>
+          <a:prstGeom prst="rect">
+            <a:avLst/>
+          </a:prstGeom>
+          <a:noFill/>
+          <a:ln>
+            <a:noFill/>
+          </a:ln>
+          <a:effectLst/>
+          <a:extLst>
+            <a:ext uri="{909E8E84-426E-40DD-AFC4-6F175D3DCCD1}">
+              <a14:hiddenFill xmlns:a14="http://schemas.microsoft.com/office/drawing/2010/main">
+                <a:solidFill>
+                  <a:schemeClr val="accent1"/>
+                </a:solidFill>
+              </a14:hiddenFill>
+            </a:ext>
+            <a:ext uri="{91240B29-F687-4F45-9708-019B960494DF}">
+              <a14:hiddenLine xmlns:a14="http://schemas.microsoft.com/office/drawing/2010/main" w="9525">
+                <a:solidFill>
+                  <a:schemeClr val="tx1"/>
+                </a:solidFill>
+                <a:miter lim="800000"/>
+                <a:headEnd/>
+                <a:tailEnd/>
+              </a14:hiddenLine>
+            </a:ext>
+            <a:ext uri="{AF507438-7753-43E0-B8FC-AC1667EBCBE1}">
+              <a14:hiddenEffects xmlns:a14="http://schemas.microsoft.com/office/drawing/2010/main">
+                <a:effectLst>
+                  <a:outerShdw dist="35921" dir="2700000" algn="ctr" rotWithShape="0">
+                    <a:schemeClr val="bg2"/>
+                  </a:outerShdw>
+                </a:effectLst>
+              </a14:hiddenEffects>
+            </a:ext>
+          </a:extLst>
+        </p:spPr>
+        <p:txBody>
+          <a:bodyPr vert="horz" wrap="none" lIns="91440" tIns="45720" rIns="91440" bIns="45720" numCol="1" anchor="ctr" anchorCtr="0" compatLnSpc="1">
+            <a:prstTxWarp prst="textNoShape">
+              <a:avLst/>
+            </a:prstTxWarp>
+            <a:spAutoFit/>
+          </a:bodyPr>
+          <a:lstStyle/>
+          <a:p>
+            <a:pPr marL="0" marR="0" lvl="0" indent="0" algn="l" defTabSz="914400" rtl="0" eaLnBrk="0" fontAlgn="base" latinLnBrk="0" hangingPunct="0">
+              <a:lnSpc>
+                <a:spcPct val="100000"/>
+              </a:lnSpc>
+              <a:spcBef>
+                <a:spcPct val="0"/>
+              </a:spcBef>
+              <a:spcAft>
+                <a:spcPct val="0"/>
+              </a:spcAft>
+              <a:buClrTx/>
+              <a:buSzTx/>
+              <a:buFontTx/>
+              <a:buNone/>
+              <a:tabLst/>
+            </a:pPr>
+            <a:br>
+              <a:rPr kumimoji="0" lang="es-EC" altLang="es-EC" sz="1800" b="0" i="0" u="none" strike="noStrike" cap="none" normalizeH="0" baseline="0">
+                <a:ln>
+                  <a:noFill/>
+                </a:ln>
+                <a:solidFill>
+                  <a:schemeClr val="tx1"/>
+                </a:solidFill>
+                <a:effectLst/>
+                <a:latin typeface="Arial" panose="020B0604020202020204" pitchFamily="34" charset="0"/>
+              </a:rPr>
+            </a:br>
+            <a:endParaRPr kumimoji="0" lang="es-EC" altLang="es-EC" sz="1800" b="0" i="0" u="none" strike="noStrike" cap="none" normalizeH="0" baseline="0">
+              <a:ln>
+                <a:noFill/>
+              </a:ln>
+              <a:solidFill>
+                <a:schemeClr val="tx1"/>
+              </a:solidFill>
+              <a:effectLst/>
+              <a:latin typeface="Arial" panose="020B0604020202020204" pitchFamily="34" charset="0"/>
+            </a:endParaRPr>
           </a:p>
         </p:txBody>
       </p:sp>
@@ -5901,6 +6186,559 @@
 </file>
 
 <file path=ppt/slides/slide10.xml><?xml version="1.0" encoding="utf-8"?>
+<p:sld xmlns:a="http://schemas.openxmlformats.org/drawingml/2006/main" xmlns:r="http://schemas.openxmlformats.org/officeDocument/2006/relationships" xmlns:p="http://schemas.openxmlformats.org/presentationml/2006/main" showMasterSp="0">
+  <p:cSld>
+    <p:spTree>
+      <p:nvGrpSpPr>
+        <p:cNvPr id="1" name=""/>
+        <p:cNvGrpSpPr/>
+        <p:nvPr/>
+      </p:nvGrpSpPr>
+      <p:grpSpPr>
+        <a:xfrm>
+          <a:off x="0" y="0"/>
+          <a:ext cx="0" cy="0"/>
+          <a:chOff x="0" y="0"/>
+          <a:chExt cx="0" cy="0"/>
+        </a:xfrm>
+      </p:grpSpPr>
+      <p:pic>
+        <p:nvPicPr>
+          <p:cNvPr id="2" name="object 2"/>
+          <p:cNvPicPr/>
+          <p:nvPr/>
+        </p:nvPicPr>
+        <p:blipFill>
+          <a:blip r:embed="rId2" cstate="print"/>
+          <a:stretch>
+            <a:fillRect/>
+          </a:stretch>
+        </p:blipFill>
+        <p:spPr>
+          <a:xfrm>
+            <a:off x="786292" y="3104537"/>
+            <a:ext cx="10610451" cy="2987162"/>
+          </a:xfrm>
+          <a:prstGeom prst="rect">
+            <a:avLst/>
+          </a:prstGeom>
+        </p:spPr>
+      </p:pic>
+      <p:sp>
+        <p:nvSpPr>
+          <p:cNvPr id="3" name="object 3"/>
+          <p:cNvSpPr txBox="1">
+            <a:spLocks noGrp="1"/>
+          </p:cNvSpPr>
+          <p:nvPr>
+            <p:ph type="title"/>
+          </p:nvPr>
+        </p:nvSpPr>
+        <p:spPr>
+          <a:xfrm>
+            <a:off x="775065" y="873021"/>
+            <a:ext cx="5421710" cy="1449920"/>
+          </a:xfrm>
+          <a:prstGeom prst="rect">
+            <a:avLst/>
+          </a:prstGeom>
+        </p:spPr>
+        <p:txBody>
+          <a:bodyPr vert="horz" wrap="square" lIns="0" tIns="38898" rIns="0" bIns="0" rtlCol="0">
+            <a:spAutoFit/>
+          </a:bodyPr>
+          <a:lstStyle/>
+          <a:p>
+            <a:pPr marL="8456" marR="3382">
+              <a:lnSpc>
+                <a:spcPts val="2197"/>
+              </a:lnSpc>
+              <a:spcBef>
+                <a:spcPts val="306"/>
+              </a:spcBef>
+            </a:pPr>
+            <a:r>
+              <a:rPr sz="1997" b="0" dirty="0">
+                <a:latin typeface="Verdana"/>
+                <a:cs typeface="Verdana"/>
+              </a:rPr>
+              <a:t>Descubriremos</a:t>
+            </a:r>
+            <a:r>
+              <a:rPr sz="1997" b="0" spc="-73" dirty="0">
+                <a:latin typeface="Verdana"/>
+                <a:cs typeface="Verdana"/>
+              </a:rPr>
+              <a:t> </a:t>
+            </a:r>
+            <a:r>
+              <a:rPr sz="1997" b="0" spc="70" dirty="0">
+                <a:latin typeface="Verdana"/>
+                <a:cs typeface="Verdana"/>
+              </a:rPr>
+              <a:t>cómo</a:t>
+            </a:r>
+            <a:r>
+              <a:rPr sz="1997" b="0" spc="-70" dirty="0">
+                <a:latin typeface="Verdana"/>
+                <a:cs typeface="Verdana"/>
+              </a:rPr>
+              <a:t> </a:t>
+            </a:r>
+            <a:r>
+              <a:rPr sz="1997" b="0" spc="-30" dirty="0">
+                <a:latin typeface="Verdana"/>
+                <a:cs typeface="Verdana"/>
+              </a:rPr>
+              <a:t>mejorar</a:t>
+            </a:r>
+            <a:r>
+              <a:rPr sz="1997" b="0" spc="-70" dirty="0">
+                <a:latin typeface="Verdana"/>
+                <a:cs typeface="Verdana"/>
+              </a:rPr>
+              <a:t> </a:t>
+            </a:r>
+            <a:r>
+              <a:rPr sz="1997" b="0" spc="-17" dirty="0">
+                <a:latin typeface="Verdana"/>
+                <a:cs typeface="Verdana"/>
+              </a:rPr>
+              <a:t>la </a:t>
+            </a:r>
+            <a:r>
+              <a:rPr sz="1997" dirty="0"/>
+              <a:t>experiencia</a:t>
+            </a:r>
+            <a:r>
+              <a:rPr sz="1997" spc="40" dirty="0"/>
+              <a:t> del</a:t>
+            </a:r>
+            <a:r>
+              <a:rPr sz="1997" spc="43" dirty="0"/>
+              <a:t> </a:t>
+            </a:r>
+            <a:r>
+              <a:rPr sz="1997" dirty="0"/>
+              <a:t>usuario</a:t>
+            </a:r>
+            <a:r>
+              <a:rPr sz="1997" spc="13" dirty="0"/>
+              <a:t> </a:t>
+            </a:r>
+            <a:r>
+              <a:rPr sz="1997" b="0" spc="47" dirty="0">
+                <a:latin typeface="Verdana"/>
+                <a:cs typeface="Verdana"/>
+              </a:rPr>
+              <a:t>en</a:t>
+            </a:r>
+            <a:r>
+              <a:rPr sz="1997" b="0" spc="-103" dirty="0">
+                <a:latin typeface="Verdana"/>
+                <a:cs typeface="Verdana"/>
+              </a:rPr>
+              <a:t> </a:t>
+            </a:r>
+            <a:r>
+              <a:rPr sz="1997" b="0" spc="-7" dirty="0">
+                <a:latin typeface="Verdana"/>
+                <a:cs typeface="Verdana"/>
+              </a:rPr>
+              <a:t>nuestros</a:t>
+            </a:r>
+            <a:r>
+              <a:rPr sz="1997" b="0" spc="-103" dirty="0">
+                <a:latin typeface="Verdana"/>
+                <a:cs typeface="Verdana"/>
+              </a:rPr>
+              <a:t> </a:t>
+            </a:r>
+            <a:r>
+              <a:rPr sz="1997" b="0" spc="-7" dirty="0">
+                <a:latin typeface="Verdana"/>
+                <a:cs typeface="Verdana"/>
+              </a:rPr>
+              <a:t>sitios </a:t>
+            </a:r>
+            <a:r>
+              <a:rPr sz="1997" b="0" spc="67" dirty="0">
+                <a:latin typeface="Verdana"/>
+                <a:cs typeface="Verdana"/>
+              </a:rPr>
+              <a:t>web</a:t>
+            </a:r>
+            <a:r>
+              <a:rPr sz="1997" b="0" spc="-140" dirty="0">
+                <a:latin typeface="Verdana"/>
+                <a:cs typeface="Verdana"/>
+              </a:rPr>
+              <a:t> </a:t>
+            </a:r>
+            <a:r>
+              <a:rPr sz="1997" b="0" dirty="0">
+                <a:latin typeface="Verdana"/>
+                <a:cs typeface="Verdana"/>
+              </a:rPr>
+              <a:t>PyScript</a:t>
+            </a:r>
+            <a:r>
+              <a:rPr sz="1997" b="0" spc="-136" dirty="0">
+                <a:latin typeface="Verdana"/>
+                <a:cs typeface="Verdana"/>
+              </a:rPr>
+              <a:t> </a:t>
+            </a:r>
+            <a:r>
+              <a:rPr sz="1997" b="0" spc="37" dirty="0">
+                <a:latin typeface="Verdana"/>
+                <a:cs typeface="Verdana"/>
+              </a:rPr>
+              <a:t>mediante</a:t>
+            </a:r>
+            <a:r>
+              <a:rPr sz="1997" b="0" spc="-136" dirty="0">
+                <a:latin typeface="Verdana"/>
+                <a:cs typeface="Verdana"/>
+              </a:rPr>
+              <a:t> </a:t>
+            </a:r>
+            <a:r>
+              <a:rPr sz="1997" b="0" dirty="0">
+                <a:latin typeface="Verdana"/>
+                <a:cs typeface="Verdana"/>
+              </a:rPr>
+              <a:t>técnicas</a:t>
+            </a:r>
+            <a:r>
+              <a:rPr sz="1997" b="0" spc="-140" dirty="0">
+                <a:latin typeface="Verdana"/>
+                <a:cs typeface="Verdana"/>
+              </a:rPr>
+              <a:t> </a:t>
+            </a:r>
+            <a:r>
+              <a:rPr sz="1997" b="0" spc="37" dirty="0">
+                <a:latin typeface="Verdana"/>
+                <a:cs typeface="Verdana"/>
+              </a:rPr>
+              <a:t>de </a:t>
+            </a:r>
+            <a:r>
+              <a:rPr sz="1997" b="0" spc="-13" dirty="0">
+                <a:latin typeface="Verdana"/>
+                <a:cs typeface="Verdana"/>
+              </a:rPr>
+              <a:t>usabilidad,</a:t>
+            </a:r>
+            <a:r>
+              <a:rPr sz="1997" b="0" spc="-70" dirty="0">
+                <a:latin typeface="Verdana"/>
+                <a:cs typeface="Verdana"/>
+              </a:rPr>
+              <a:t> </a:t>
+            </a:r>
+            <a:r>
+              <a:rPr sz="1997" b="0" dirty="0">
+                <a:latin typeface="Verdana"/>
+                <a:cs typeface="Verdana"/>
+              </a:rPr>
+              <a:t>accesibilidad</a:t>
+            </a:r>
+            <a:r>
+              <a:rPr sz="1997" b="0" spc="-67" dirty="0">
+                <a:latin typeface="Verdana"/>
+                <a:cs typeface="Verdana"/>
+              </a:rPr>
+              <a:t> </a:t>
+            </a:r>
+            <a:r>
+              <a:rPr sz="1997" b="0" spc="-110" dirty="0">
+                <a:latin typeface="Verdana"/>
+                <a:cs typeface="Verdana"/>
+              </a:rPr>
+              <a:t>y</a:t>
+            </a:r>
+            <a:r>
+              <a:rPr sz="1997" b="0" spc="-70" dirty="0">
+                <a:latin typeface="Verdana"/>
+                <a:cs typeface="Verdana"/>
+              </a:rPr>
+              <a:t> </a:t>
+            </a:r>
+            <a:r>
+              <a:rPr sz="1997" b="0" dirty="0">
+                <a:latin typeface="Verdana"/>
+                <a:cs typeface="Verdana"/>
+              </a:rPr>
+              <a:t>diseño</a:t>
+            </a:r>
+            <a:r>
+              <a:rPr sz="1997" b="0" spc="-67" dirty="0">
+                <a:latin typeface="Verdana"/>
+                <a:cs typeface="Verdana"/>
+              </a:rPr>
+              <a:t> </a:t>
+            </a:r>
+            <a:r>
+              <a:rPr sz="1997" b="0" spc="-7" dirty="0">
+                <a:latin typeface="Verdana"/>
+                <a:cs typeface="Verdana"/>
+              </a:rPr>
+              <a:t>centrado </a:t>
+            </a:r>
+            <a:r>
+              <a:rPr sz="1997" b="0" spc="47" dirty="0">
+                <a:latin typeface="Verdana"/>
+                <a:cs typeface="Verdana"/>
+              </a:rPr>
+              <a:t>en</a:t>
+            </a:r>
+            <a:r>
+              <a:rPr sz="1997" b="0" spc="-180" dirty="0">
+                <a:latin typeface="Verdana"/>
+                <a:cs typeface="Verdana"/>
+              </a:rPr>
+              <a:t> </a:t>
+            </a:r>
+            <a:r>
+              <a:rPr sz="1997" b="0" dirty="0">
+                <a:latin typeface="Verdana"/>
+                <a:cs typeface="Verdana"/>
+              </a:rPr>
+              <a:t>el</a:t>
+            </a:r>
+            <a:r>
+              <a:rPr sz="1997" b="0" spc="-176" dirty="0">
+                <a:latin typeface="Verdana"/>
+                <a:cs typeface="Verdana"/>
+              </a:rPr>
+              <a:t> </a:t>
+            </a:r>
+            <a:r>
+              <a:rPr sz="1997" b="0" spc="-7" dirty="0">
+                <a:latin typeface="Verdana"/>
+                <a:cs typeface="Verdana"/>
+              </a:rPr>
+              <a:t>usuario.</a:t>
+            </a:r>
+            <a:endParaRPr sz="1997" dirty="0">
+              <a:latin typeface="Verdana"/>
+              <a:cs typeface="Verdana"/>
+            </a:endParaRPr>
+          </a:p>
+        </p:txBody>
+      </p:sp>
+      <p:sp>
+        <p:nvSpPr>
+          <p:cNvPr id="4" name="object 4"/>
+          <p:cNvSpPr txBox="1"/>
+          <p:nvPr/>
+        </p:nvSpPr>
+        <p:spPr>
+          <a:xfrm>
+            <a:off x="7100221" y="862602"/>
+            <a:ext cx="4250522" cy="431215"/>
+          </a:xfrm>
+          <a:prstGeom prst="rect">
+            <a:avLst/>
+          </a:prstGeom>
+        </p:spPr>
+        <p:txBody>
+          <a:bodyPr vert="horz" wrap="square" lIns="0" tIns="10993" rIns="0" bIns="0" rtlCol="0">
+            <a:spAutoFit/>
+          </a:bodyPr>
+          <a:lstStyle/>
+          <a:p>
+            <a:pPr marL="8456" defTabSz="608808">
+              <a:spcBef>
+                <a:spcPts val="87"/>
+              </a:spcBef>
+            </a:pPr>
+            <a:r>
+              <a:rPr sz="2730" b="1" kern="0" spc="47" dirty="0">
+                <a:solidFill>
+                  <a:sysClr val="windowText" lastClr="000000"/>
+                </a:solidFill>
+                <a:latin typeface="Tahoma"/>
+                <a:cs typeface="Tahoma"/>
+              </a:rPr>
+              <a:t>Experiencia</a:t>
+            </a:r>
+            <a:r>
+              <a:rPr sz="2730" b="1" kern="0" spc="-33" dirty="0">
+                <a:solidFill>
+                  <a:sysClr val="windowText" lastClr="000000"/>
+                </a:solidFill>
+                <a:latin typeface="Tahoma"/>
+                <a:cs typeface="Tahoma"/>
+              </a:rPr>
+              <a:t> </a:t>
+            </a:r>
+            <a:r>
+              <a:rPr sz="2730" b="1" kern="0" spc="70" dirty="0">
+                <a:solidFill>
+                  <a:sysClr val="windowText" lastClr="000000"/>
+                </a:solidFill>
+                <a:latin typeface="Tahoma"/>
+                <a:cs typeface="Tahoma"/>
+              </a:rPr>
+              <a:t>del</a:t>
+            </a:r>
+            <a:r>
+              <a:rPr sz="2730" b="1" kern="0" spc="-33" dirty="0">
+                <a:solidFill>
+                  <a:sysClr val="windowText" lastClr="000000"/>
+                </a:solidFill>
+                <a:latin typeface="Tahoma"/>
+                <a:cs typeface="Tahoma"/>
+              </a:rPr>
+              <a:t> </a:t>
+            </a:r>
+            <a:r>
+              <a:rPr sz="2730" b="1" kern="0" spc="30" dirty="0">
+                <a:solidFill>
+                  <a:sysClr val="windowText" lastClr="000000"/>
+                </a:solidFill>
+                <a:latin typeface="Tahoma"/>
+                <a:cs typeface="Tahoma"/>
+              </a:rPr>
+              <a:t>Usuario</a:t>
+            </a:r>
+            <a:endParaRPr sz="2730" kern="0">
+              <a:solidFill>
+                <a:sysClr val="windowText" lastClr="000000"/>
+              </a:solidFill>
+              <a:latin typeface="Tahoma"/>
+              <a:cs typeface="Tahoma"/>
+            </a:endParaRPr>
+          </a:p>
+        </p:txBody>
+      </p:sp>
+      <p:sp>
+        <p:nvSpPr>
+          <p:cNvPr id="5" name="object 5"/>
+          <p:cNvSpPr/>
+          <p:nvPr/>
+        </p:nvSpPr>
+        <p:spPr>
+          <a:xfrm>
+            <a:off x="7091053" y="635816"/>
+            <a:ext cx="5089380" cy="76106"/>
+          </a:xfrm>
+          <a:custGeom>
+            <a:avLst/>
+            <a:gdLst/>
+            <a:ahLst/>
+            <a:cxnLst/>
+            <a:rect l="l" t="t" r="r" b="b"/>
+            <a:pathLst>
+              <a:path w="7643494" h="114300">
+                <a:moveTo>
+                  <a:pt x="0" y="114299"/>
+                </a:moveTo>
+                <a:lnTo>
+                  <a:pt x="7643227" y="114299"/>
+                </a:lnTo>
+                <a:lnTo>
+                  <a:pt x="7643227" y="0"/>
+                </a:lnTo>
+                <a:lnTo>
+                  <a:pt x="0" y="0"/>
+                </a:lnTo>
+                <a:lnTo>
+                  <a:pt x="0" y="114299"/>
+                </a:lnTo>
+                <a:close/>
+              </a:path>
+            </a:pathLst>
+          </a:custGeom>
+          <a:solidFill>
+            <a:srgbClr val="000000"/>
+          </a:solidFill>
+        </p:spPr>
+        <p:txBody>
+          <a:bodyPr wrap="square" lIns="0" tIns="0" rIns="0" bIns="0" rtlCol="0"/>
+          <a:lstStyle/>
+          <a:p>
+            <a:pPr defTabSz="608808"/>
+            <a:endParaRPr sz="1198" kern="0">
+              <a:solidFill>
+                <a:sysClr val="windowText" lastClr="000000"/>
+              </a:solidFill>
+            </a:endParaRPr>
+          </a:p>
+        </p:txBody>
+      </p:sp>
+      <p:pic>
+        <p:nvPicPr>
+          <p:cNvPr id="6" name="Imagen 5">
+            <a:extLst>
+              <a:ext uri="{FF2B5EF4-FFF2-40B4-BE49-F238E27FC236}">
+                <a16:creationId xmlns:a16="http://schemas.microsoft.com/office/drawing/2014/main" id="{57AC216B-5877-2624-94B6-9B1F024E5731}"/>
+              </a:ext>
+            </a:extLst>
+          </p:cNvPr>
+          <p:cNvPicPr>
+            <a:picLocks noChangeAspect="1"/>
+          </p:cNvPicPr>
+          <p:nvPr/>
+        </p:nvPicPr>
+        <p:blipFill>
+          <a:blip r:embed="rId3"/>
+          <a:stretch>
+            <a:fillRect/>
+          </a:stretch>
+        </p:blipFill>
+        <p:spPr>
+          <a:xfrm>
+            <a:off x="3289" y="-7809"/>
+            <a:ext cx="10451203" cy="594104"/>
+          </a:xfrm>
+          <a:prstGeom prst="rect">
+            <a:avLst/>
+          </a:prstGeom>
+        </p:spPr>
+      </p:pic>
+      <p:pic>
+        <p:nvPicPr>
+          <p:cNvPr id="7" name="Imagen 6">
+            <a:extLst>
+              <a:ext uri="{FF2B5EF4-FFF2-40B4-BE49-F238E27FC236}">
+                <a16:creationId xmlns:a16="http://schemas.microsoft.com/office/drawing/2014/main" id="{DEDEE210-B779-7D91-363E-7B82B0628914}"/>
+              </a:ext>
+            </a:extLst>
+          </p:cNvPr>
+          <p:cNvPicPr>
+            <a:picLocks noChangeAspect="1"/>
+          </p:cNvPicPr>
+          <p:nvPr/>
+        </p:nvPicPr>
+        <p:blipFill>
+          <a:blip r:embed="rId4"/>
+          <a:stretch>
+            <a:fillRect/>
+          </a:stretch>
+        </p:blipFill>
+        <p:spPr>
+          <a:xfrm>
+            <a:off x="0" y="6117661"/>
+            <a:ext cx="11087100" cy="714375"/>
+          </a:xfrm>
+          <a:prstGeom prst="rect">
+            <a:avLst/>
+          </a:prstGeom>
+        </p:spPr>
+      </p:pic>
+    </p:spTree>
+  </p:cSld>
+  <p:clrMapOvr>
+    <a:masterClrMapping/>
+  </p:clrMapOvr>
+</p:sld>
+</file>
+
+<file path=ppt/slides/slide11.xml><?xml version="1.0" encoding="utf-8"?>
 <p:sld xmlns:a="http://schemas.openxmlformats.org/drawingml/2006/main" xmlns:r="http://schemas.openxmlformats.org/officeDocument/2006/relationships" xmlns:p="http://schemas.openxmlformats.org/presentationml/2006/main">
   <p:cSld>
     <p:spTree>
@@ -7509,6 +8347,180 @@
 </file>
 
 <file path=ppt/slides/slide6.xml><?xml version="1.0" encoding="utf-8"?>
+<p:sld xmlns:a="http://schemas.openxmlformats.org/drawingml/2006/main" xmlns:r="http://schemas.openxmlformats.org/officeDocument/2006/relationships" xmlns:p="http://schemas.openxmlformats.org/presentationml/2006/main">
+  <p:cSld>
+    <p:spTree>
+      <p:nvGrpSpPr>
+        <p:cNvPr id="1" name="">
+          <a:extLst>
+            <a:ext uri="{FF2B5EF4-FFF2-40B4-BE49-F238E27FC236}">
+              <a16:creationId xmlns:a16="http://schemas.microsoft.com/office/drawing/2014/main" id="{4364D4C1-C8CF-D8DA-4037-7B3E8CA56EAE}"/>
+            </a:ext>
+          </a:extLst>
+        </p:cNvPr>
+        <p:cNvGrpSpPr/>
+        <p:nvPr/>
+      </p:nvGrpSpPr>
+      <p:grpSpPr>
+        <a:xfrm>
+          <a:off x="0" y="0"/>
+          <a:ext cx="0" cy="0"/>
+          <a:chOff x="0" y="0"/>
+          <a:chExt cx="0" cy="0"/>
+        </a:xfrm>
+      </p:grpSpPr>
+      <p:sp>
+        <p:nvSpPr>
+          <p:cNvPr id="2" name="Título 1">
+            <a:extLst>
+              <a:ext uri="{FF2B5EF4-FFF2-40B4-BE49-F238E27FC236}">
+                <a16:creationId xmlns:a16="http://schemas.microsoft.com/office/drawing/2014/main" id="{B67F9073-34BB-C42E-1983-2746FE254270}"/>
+              </a:ext>
+            </a:extLst>
+          </p:cNvPr>
+          <p:cNvSpPr>
+            <a:spLocks noGrp="1"/>
+          </p:cNvSpPr>
+          <p:nvPr>
+            <p:ph type="title" idx="4294967295"/>
+          </p:nvPr>
+        </p:nvSpPr>
+        <p:spPr>
+          <a:xfrm>
+            <a:off x="492369" y="1395046"/>
+            <a:ext cx="11218985" cy="295642"/>
+          </a:xfrm>
+        </p:spPr>
+        <p:txBody>
+          <a:bodyPr>
+            <a:noAutofit/>
+          </a:bodyPr>
+          <a:lstStyle/>
+          <a:p>
+            <a:r>
+              <a:rPr lang="es-EC" sz="3200" b="1" dirty="0"/>
+              <a:t>Última Tarea: Ensayo</a:t>
+            </a:r>
+          </a:p>
+        </p:txBody>
+      </p:sp>
+      <p:sp>
+        <p:nvSpPr>
+          <p:cNvPr id="3" name="Marcador de contenido 2">
+            <a:extLst>
+              <a:ext uri="{FF2B5EF4-FFF2-40B4-BE49-F238E27FC236}">
+                <a16:creationId xmlns:a16="http://schemas.microsoft.com/office/drawing/2014/main" id="{80FFA34E-F3BA-390E-368D-4894037A3CBB}"/>
+              </a:ext>
+            </a:extLst>
+          </p:cNvPr>
+          <p:cNvSpPr>
+            <a:spLocks noGrp="1"/>
+          </p:cNvSpPr>
+          <p:nvPr>
+            <p:ph idx="4294967295"/>
+          </p:nvPr>
+        </p:nvSpPr>
+        <p:spPr>
+          <a:xfrm>
+            <a:off x="492369" y="1825625"/>
+            <a:ext cx="11218985" cy="4351338"/>
+          </a:xfrm>
+        </p:spPr>
+        <p:txBody>
+          <a:bodyPr>
+            <a:normAutofit/>
+          </a:bodyPr>
+          <a:lstStyle/>
+          <a:p>
+            <a:pPr algn="just"/>
+            <a:endParaRPr lang="es-EC" sz="1400" dirty="0"/>
+          </a:p>
+          <a:p>
+            <a:pPr algn="just"/>
+            <a:r>
+              <a:rPr lang="es-EC" sz="1600" dirty="0"/>
+              <a:t>Escribir un ensayo de una página y máximo tres en el que empleando sus propias palabras describa la </a:t>
+            </a:r>
+            <a:r>
+              <a:rPr lang="es-EC" sz="1600" b="1" dirty="0"/>
+              <a:t>importancia de la Programación Web en el mundo del Marketing Digital </a:t>
+            </a:r>
+            <a:r>
+              <a:rPr lang="es-EC" sz="1600" dirty="0"/>
+              <a:t>y cómo podría </a:t>
+            </a:r>
+            <a:r>
+              <a:rPr lang="es-EC" sz="1600" b="1" dirty="0"/>
+              <a:t>aplicar lo aprendido en el módulo en su ejercicio profesional diario. </a:t>
+            </a:r>
+            <a:endParaRPr lang="es-EC" sz="1400" b="1" dirty="0"/>
+          </a:p>
+          <a:p>
+            <a:endParaRPr lang="es-EC" sz="2000" dirty="0"/>
+          </a:p>
+        </p:txBody>
+      </p:sp>
+      <p:pic>
+        <p:nvPicPr>
+          <p:cNvPr id="4" name="Picture 2" descr="Lenguajes de programación más usados para desarrollar una web">
+            <a:extLst>
+              <a:ext uri="{FF2B5EF4-FFF2-40B4-BE49-F238E27FC236}">
+                <a16:creationId xmlns:a16="http://schemas.microsoft.com/office/drawing/2014/main" id="{7288E69B-A00E-5511-BDC8-3E23D67A1CA6}"/>
+              </a:ext>
+            </a:extLst>
+          </p:cNvPr>
+          <p:cNvPicPr>
+            <a:picLocks noChangeAspect="1" noChangeArrowheads="1"/>
+          </p:cNvPicPr>
+          <p:nvPr/>
+        </p:nvPicPr>
+        <p:blipFill>
+          <a:blip r:embed="rId2">
+            <a:extLst>
+              <a:ext uri="{28A0092B-C50C-407E-A947-70E740481C1C}">
+                <a14:useLocalDpi xmlns:a14="http://schemas.microsoft.com/office/drawing/2010/main" val="0"/>
+              </a:ext>
+            </a:extLst>
+          </a:blip>
+          <a:srcRect/>
+          <a:stretch>
+            <a:fillRect/>
+          </a:stretch>
+        </p:blipFill>
+        <p:spPr bwMode="auto">
+          <a:xfrm>
+            <a:off x="3982179" y="3096276"/>
+            <a:ext cx="4601984" cy="2802712"/>
+          </a:xfrm>
+          <a:prstGeom prst="rect">
+            <a:avLst/>
+          </a:prstGeom>
+          <a:noFill/>
+          <a:extLst>
+            <a:ext uri="{909E8E84-426E-40DD-AFC4-6F175D3DCCD1}">
+              <a14:hiddenFill xmlns:a14="http://schemas.microsoft.com/office/drawing/2010/main">
+                <a:solidFill>
+                  <a:srgbClr val="FFFFFF"/>
+                </a:solidFill>
+              </a14:hiddenFill>
+            </a:ext>
+          </a:extLst>
+        </p:spPr>
+      </p:pic>
+    </p:spTree>
+    <p:extLst>
+      <p:ext uri="{BB962C8B-B14F-4D97-AF65-F5344CB8AC3E}">
+        <p14:creationId xmlns:p14="http://schemas.microsoft.com/office/powerpoint/2010/main" val="186135857"/>
+      </p:ext>
+    </p:extLst>
+  </p:cSld>
+  <p:clrMapOvr>
+    <a:masterClrMapping/>
+  </p:clrMapOvr>
+</p:sld>
+</file>
+
+<file path=ppt/slides/slide7.xml><?xml version="1.0" encoding="utf-8"?>
 <p:sld xmlns:a="http://schemas.openxmlformats.org/drawingml/2006/main" xmlns:r="http://schemas.openxmlformats.org/officeDocument/2006/relationships" xmlns:p="http://schemas.openxmlformats.org/presentationml/2006/main" showMasterSp="0">
   <p:cSld>
     <p:spTree>
@@ -8111,7 +9123,7 @@
 </p:sld>
 </file>
 
-<file path=ppt/slides/slide7.xml><?xml version="1.0" encoding="utf-8"?>
+<file path=ppt/slides/slide8.xml><?xml version="1.0" encoding="utf-8"?>
 <p:sld xmlns:a="http://schemas.openxmlformats.org/drawingml/2006/main" xmlns:r="http://schemas.openxmlformats.org/officeDocument/2006/relationships" xmlns:p="http://schemas.openxmlformats.org/presentationml/2006/main" showMasterSp="0">
   <p:cSld>
     <p:spTree>
@@ -8628,7 +9640,7 @@
 </p:sld>
 </file>
 
-<file path=ppt/slides/slide8.xml><?xml version="1.0" encoding="utf-8"?>
+<file path=ppt/slides/slide9.xml><?xml version="1.0" encoding="utf-8"?>
 <p:sld xmlns:a="http://schemas.openxmlformats.org/drawingml/2006/main" xmlns:r="http://schemas.openxmlformats.org/officeDocument/2006/relationships" xmlns:p="http://schemas.openxmlformats.org/presentationml/2006/main">
   <p:cSld>
     <p:spTree>
@@ -9132,559 +10144,6 @@
         </p:nvPicPr>
         <p:blipFill>
           <a:blip r:embed="rId3"/>
-          <a:stretch>
-            <a:fillRect/>
-          </a:stretch>
-        </p:blipFill>
-        <p:spPr>
-          <a:xfrm>
-            <a:off x="0" y="6117661"/>
-            <a:ext cx="11087100" cy="714375"/>
-          </a:xfrm>
-          <a:prstGeom prst="rect">
-            <a:avLst/>
-          </a:prstGeom>
-        </p:spPr>
-      </p:pic>
-    </p:spTree>
-  </p:cSld>
-  <p:clrMapOvr>
-    <a:masterClrMapping/>
-  </p:clrMapOvr>
-</p:sld>
-</file>
-
-<file path=ppt/slides/slide9.xml><?xml version="1.0" encoding="utf-8"?>
-<p:sld xmlns:a="http://schemas.openxmlformats.org/drawingml/2006/main" xmlns:r="http://schemas.openxmlformats.org/officeDocument/2006/relationships" xmlns:p="http://schemas.openxmlformats.org/presentationml/2006/main" showMasterSp="0">
-  <p:cSld>
-    <p:spTree>
-      <p:nvGrpSpPr>
-        <p:cNvPr id="1" name=""/>
-        <p:cNvGrpSpPr/>
-        <p:nvPr/>
-      </p:nvGrpSpPr>
-      <p:grpSpPr>
-        <a:xfrm>
-          <a:off x="0" y="0"/>
-          <a:ext cx="0" cy="0"/>
-          <a:chOff x="0" y="0"/>
-          <a:chExt cx="0" cy="0"/>
-        </a:xfrm>
-      </p:grpSpPr>
-      <p:pic>
-        <p:nvPicPr>
-          <p:cNvPr id="2" name="object 2"/>
-          <p:cNvPicPr/>
-          <p:nvPr/>
-        </p:nvPicPr>
-        <p:blipFill>
-          <a:blip r:embed="rId2" cstate="print"/>
-          <a:stretch>
-            <a:fillRect/>
-          </a:stretch>
-        </p:blipFill>
-        <p:spPr>
-          <a:xfrm>
-            <a:off x="786292" y="3104537"/>
-            <a:ext cx="10610451" cy="2987162"/>
-          </a:xfrm>
-          <a:prstGeom prst="rect">
-            <a:avLst/>
-          </a:prstGeom>
-        </p:spPr>
-      </p:pic>
-      <p:sp>
-        <p:nvSpPr>
-          <p:cNvPr id="3" name="object 3"/>
-          <p:cNvSpPr txBox="1">
-            <a:spLocks noGrp="1"/>
-          </p:cNvSpPr>
-          <p:nvPr>
-            <p:ph type="title"/>
-          </p:nvPr>
-        </p:nvSpPr>
-        <p:spPr>
-          <a:xfrm>
-            <a:off x="775065" y="873021"/>
-            <a:ext cx="5421710" cy="1449920"/>
-          </a:xfrm>
-          <a:prstGeom prst="rect">
-            <a:avLst/>
-          </a:prstGeom>
-        </p:spPr>
-        <p:txBody>
-          <a:bodyPr vert="horz" wrap="square" lIns="0" tIns="38898" rIns="0" bIns="0" rtlCol="0">
-            <a:spAutoFit/>
-          </a:bodyPr>
-          <a:lstStyle/>
-          <a:p>
-            <a:pPr marL="8456" marR="3382">
-              <a:lnSpc>
-                <a:spcPts val="2197"/>
-              </a:lnSpc>
-              <a:spcBef>
-                <a:spcPts val="306"/>
-              </a:spcBef>
-            </a:pPr>
-            <a:r>
-              <a:rPr sz="1997" b="0" dirty="0">
-                <a:latin typeface="Verdana"/>
-                <a:cs typeface="Verdana"/>
-              </a:rPr>
-              <a:t>Descubriremos</a:t>
-            </a:r>
-            <a:r>
-              <a:rPr sz="1997" b="0" spc="-73" dirty="0">
-                <a:latin typeface="Verdana"/>
-                <a:cs typeface="Verdana"/>
-              </a:rPr>
-              <a:t> </a:t>
-            </a:r>
-            <a:r>
-              <a:rPr sz="1997" b="0" spc="70" dirty="0">
-                <a:latin typeface="Verdana"/>
-                <a:cs typeface="Verdana"/>
-              </a:rPr>
-              <a:t>cómo</a:t>
-            </a:r>
-            <a:r>
-              <a:rPr sz="1997" b="0" spc="-70" dirty="0">
-                <a:latin typeface="Verdana"/>
-                <a:cs typeface="Verdana"/>
-              </a:rPr>
-              <a:t> </a:t>
-            </a:r>
-            <a:r>
-              <a:rPr sz="1997" b="0" spc="-30" dirty="0">
-                <a:latin typeface="Verdana"/>
-                <a:cs typeface="Verdana"/>
-              </a:rPr>
-              <a:t>mejorar</a:t>
-            </a:r>
-            <a:r>
-              <a:rPr sz="1997" b="0" spc="-70" dirty="0">
-                <a:latin typeface="Verdana"/>
-                <a:cs typeface="Verdana"/>
-              </a:rPr>
-              <a:t> </a:t>
-            </a:r>
-            <a:r>
-              <a:rPr sz="1997" b="0" spc="-17" dirty="0">
-                <a:latin typeface="Verdana"/>
-                <a:cs typeface="Verdana"/>
-              </a:rPr>
-              <a:t>la </a:t>
-            </a:r>
-            <a:r>
-              <a:rPr sz="1997" dirty="0"/>
-              <a:t>experiencia</a:t>
-            </a:r>
-            <a:r>
-              <a:rPr sz="1997" spc="40" dirty="0"/>
-              <a:t> del</a:t>
-            </a:r>
-            <a:r>
-              <a:rPr sz="1997" spc="43" dirty="0"/>
-              <a:t> </a:t>
-            </a:r>
-            <a:r>
-              <a:rPr sz="1997" dirty="0"/>
-              <a:t>usuario</a:t>
-            </a:r>
-            <a:r>
-              <a:rPr sz="1997" spc="13" dirty="0"/>
-              <a:t> </a:t>
-            </a:r>
-            <a:r>
-              <a:rPr sz="1997" b="0" spc="47" dirty="0">
-                <a:latin typeface="Verdana"/>
-                <a:cs typeface="Verdana"/>
-              </a:rPr>
-              <a:t>en</a:t>
-            </a:r>
-            <a:r>
-              <a:rPr sz="1997" b="0" spc="-103" dirty="0">
-                <a:latin typeface="Verdana"/>
-                <a:cs typeface="Verdana"/>
-              </a:rPr>
-              <a:t> </a:t>
-            </a:r>
-            <a:r>
-              <a:rPr sz="1997" b="0" spc="-7" dirty="0">
-                <a:latin typeface="Verdana"/>
-                <a:cs typeface="Verdana"/>
-              </a:rPr>
-              <a:t>nuestros</a:t>
-            </a:r>
-            <a:r>
-              <a:rPr sz="1997" b="0" spc="-103" dirty="0">
-                <a:latin typeface="Verdana"/>
-                <a:cs typeface="Verdana"/>
-              </a:rPr>
-              <a:t> </a:t>
-            </a:r>
-            <a:r>
-              <a:rPr sz="1997" b="0" spc="-7" dirty="0">
-                <a:latin typeface="Verdana"/>
-                <a:cs typeface="Verdana"/>
-              </a:rPr>
-              <a:t>sitios </a:t>
-            </a:r>
-            <a:r>
-              <a:rPr sz="1997" b="0" spc="67" dirty="0">
-                <a:latin typeface="Verdana"/>
-                <a:cs typeface="Verdana"/>
-              </a:rPr>
-              <a:t>web</a:t>
-            </a:r>
-            <a:r>
-              <a:rPr sz="1997" b="0" spc="-140" dirty="0">
-                <a:latin typeface="Verdana"/>
-                <a:cs typeface="Verdana"/>
-              </a:rPr>
-              <a:t> </a:t>
-            </a:r>
-            <a:r>
-              <a:rPr sz="1997" b="0" dirty="0">
-                <a:latin typeface="Verdana"/>
-                <a:cs typeface="Verdana"/>
-              </a:rPr>
-              <a:t>PyScript</a:t>
-            </a:r>
-            <a:r>
-              <a:rPr sz="1997" b="0" spc="-136" dirty="0">
-                <a:latin typeface="Verdana"/>
-                <a:cs typeface="Verdana"/>
-              </a:rPr>
-              <a:t> </a:t>
-            </a:r>
-            <a:r>
-              <a:rPr sz="1997" b="0" spc="37" dirty="0">
-                <a:latin typeface="Verdana"/>
-                <a:cs typeface="Verdana"/>
-              </a:rPr>
-              <a:t>mediante</a:t>
-            </a:r>
-            <a:r>
-              <a:rPr sz="1997" b="0" spc="-136" dirty="0">
-                <a:latin typeface="Verdana"/>
-                <a:cs typeface="Verdana"/>
-              </a:rPr>
-              <a:t> </a:t>
-            </a:r>
-            <a:r>
-              <a:rPr sz="1997" b="0" dirty="0">
-                <a:latin typeface="Verdana"/>
-                <a:cs typeface="Verdana"/>
-              </a:rPr>
-              <a:t>técnicas</a:t>
-            </a:r>
-            <a:r>
-              <a:rPr sz="1997" b="0" spc="-140" dirty="0">
-                <a:latin typeface="Verdana"/>
-                <a:cs typeface="Verdana"/>
-              </a:rPr>
-              <a:t> </a:t>
-            </a:r>
-            <a:r>
-              <a:rPr sz="1997" b="0" spc="37" dirty="0">
-                <a:latin typeface="Verdana"/>
-                <a:cs typeface="Verdana"/>
-              </a:rPr>
-              <a:t>de </a:t>
-            </a:r>
-            <a:r>
-              <a:rPr sz="1997" b="0" spc="-13" dirty="0">
-                <a:latin typeface="Verdana"/>
-                <a:cs typeface="Verdana"/>
-              </a:rPr>
-              <a:t>usabilidad,</a:t>
-            </a:r>
-            <a:r>
-              <a:rPr sz="1997" b="0" spc="-70" dirty="0">
-                <a:latin typeface="Verdana"/>
-                <a:cs typeface="Verdana"/>
-              </a:rPr>
-              <a:t> </a:t>
-            </a:r>
-            <a:r>
-              <a:rPr sz="1997" b="0" dirty="0">
-                <a:latin typeface="Verdana"/>
-                <a:cs typeface="Verdana"/>
-              </a:rPr>
-              <a:t>accesibilidad</a:t>
-            </a:r>
-            <a:r>
-              <a:rPr sz="1997" b="0" spc="-67" dirty="0">
-                <a:latin typeface="Verdana"/>
-                <a:cs typeface="Verdana"/>
-              </a:rPr>
-              <a:t> </a:t>
-            </a:r>
-            <a:r>
-              <a:rPr sz="1997" b="0" spc="-110" dirty="0">
-                <a:latin typeface="Verdana"/>
-                <a:cs typeface="Verdana"/>
-              </a:rPr>
-              <a:t>y</a:t>
-            </a:r>
-            <a:r>
-              <a:rPr sz="1997" b="0" spc="-70" dirty="0">
-                <a:latin typeface="Verdana"/>
-                <a:cs typeface="Verdana"/>
-              </a:rPr>
-              <a:t> </a:t>
-            </a:r>
-            <a:r>
-              <a:rPr sz="1997" b="0" dirty="0">
-                <a:latin typeface="Verdana"/>
-                <a:cs typeface="Verdana"/>
-              </a:rPr>
-              <a:t>diseño</a:t>
-            </a:r>
-            <a:r>
-              <a:rPr sz="1997" b="0" spc="-67" dirty="0">
-                <a:latin typeface="Verdana"/>
-                <a:cs typeface="Verdana"/>
-              </a:rPr>
-              <a:t> </a:t>
-            </a:r>
-            <a:r>
-              <a:rPr sz="1997" b="0" spc="-7" dirty="0">
-                <a:latin typeface="Verdana"/>
-                <a:cs typeface="Verdana"/>
-              </a:rPr>
-              <a:t>centrado </a:t>
-            </a:r>
-            <a:r>
-              <a:rPr sz="1997" b="0" spc="47" dirty="0">
-                <a:latin typeface="Verdana"/>
-                <a:cs typeface="Verdana"/>
-              </a:rPr>
-              <a:t>en</a:t>
-            </a:r>
-            <a:r>
-              <a:rPr sz="1997" b="0" spc="-180" dirty="0">
-                <a:latin typeface="Verdana"/>
-                <a:cs typeface="Verdana"/>
-              </a:rPr>
-              <a:t> </a:t>
-            </a:r>
-            <a:r>
-              <a:rPr sz="1997" b="0" dirty="0">
-                <a:latin typeface="Verdana"/>
-                <a:cs typeface="Verdana"/>
-              </a:rPr>
-              <a:t>el</a:t>
-            </a:r>
-            <a:r>
-              <a:rPr sz="1997" b="0" spc="-176" dirty="0">
-                <a:latin typeface="Verdana"/>
-                <a:cs typeface="Verdana"/>
-              </a:rPr>
-              <a:t> </a:t>
-            </a:r>
-            <a:r>
-              <a:rPr sz="1997" b="0" spc="-7" dirty="0">
-                <a:latin typeface="Verdana"/>
-                <a:cs typeface="Verdana"/>
-              </a:rPr>
-              <a:t>usuario.</a:t>
-            </a:r>
-            <a:endParaRPr sz="1997" dirty="0">
-              <a:latin typeface="Verdana"/>
-              <a:cs typeface="Verdana"/>
-            </a:endParaRPr>
-          </a:p>
-        </p:txBody>
-      </p:sp>
-      <p:sp>
-        <p:nvSpPr>
-          <p:cNvPr id="4" name="object 4"/>
-          <p:cNvSpPr txBox="1"/>
-          <p:nvPr/>
-        </p:nvSpPr>
-        <p:spPr>
-          <a:xfrm>
-            <a:off x="7100221" y="862602"/>
-            <a:ext cx="4250522" cy="431215"/>
-          </a:xfrm>
-          <a:prstGeom prst="rect">
-            <a:avLst/>
-          </a:prstGeom>
-        </p:spPr>
-        <p:txBody>
-          <a:bodyPr vert="horz" wrap="square" lIns="0" tIns="10993" rIns="0" bIns="0" rtlCol="0">
-            <a:spAutoFit/>
-          </a:bodyPr>
-          <a:lstStyle/>
-          <a:p>
-            <a:pPr marL="8456" defTabSz="608808">
-              <a:spcBef>
-                <a:spcPts val="87"/>
-              </a:spcBef>
-            </a:pPr>
-            <a:r>
-              <a:rPr sz="2730" b="1" kern="0" spc="47" dirty="0">
-                <a:solidFill>
-                  <a:sysClr val="windowText" lastClr="000000"/>
-                </a:solidFill>
-                <a:latin typeface="Tahoma"/>
-                <a:cs typeface="Tahoma"/>
-              </a:rPr>
-              <a:t>Experiencia</a:t>
-            </a:r>
-            <a:r>
-              <a:rPr sz="2730" b="1" kern="0" spc="-33" dirty="0">
-                <a:solidFill>
-                  <a:sysClr val="windowText" lastClr="000000"/>
-                </a:solidFill>
-                <a:latin typeface="Tahoma"/>
-                <a:cs typeface="Tahoma"/>
-              </a:rPr>
-              <a:t> </a:t>
-            </a:r>
-            <a:r>
-              <a:rPr sz="2730" b="1" kern="0" spc="70" dirty="0">
-                <a:solidFill>
-                  <a:sysClr val="windowText" lastClr="000000"/>
-                </a:solidFill>
-                <a:latin typeface="Tahoma"/>
-                <a:cs typeface="Tahoma"/>
-              </a:rPr>
-              <a:t>del</a:t>
-            </a:r>
-            <a:r>
-              <a:rPr sz="2730" b="1" kern="0" spc="-33" dirty="0">
-                <a:solidFill>
-                  <a:sysClr val="windowText" lastClr="000000"/>
-                </a:solidFill>
-                <a:latin typeface="Tahoma"/>
-                <a:cs typeface="Tahoma"/>
-              </a:rPr>
-              <a:t> </a:t>
-            </a:r>
-            <a:r>
-              <a:rPr sz="2730" b="1" kern="0" spc="30" dirty="0">
-                <a:solidFill>
-                  <a:sysClr val="windowText" lastClr="000000"/>
-                </a:solidFill>
-                <a:latin typeface="Tahoma"/>
-                <a:cs typeface="Tahoma"/>
-              </a:rPr>
-              <a:t>Usuario</a:t>
-            </a:r>
-            <a:endParaRPr sz="2730" kern="0">
-              <a:solidFill>
-                <a:sysClr val="windowText" lastClr="000000"/>
-              </a:solidFill>
-              <a:latin typeface="Tahoma"/>
-              <a:cs typeface="Tahoma"/>
-            </a:endParaRPr>
-          </a:p>
-        </p:txBody>
-      </p:sp>
-      <p:sp>
-        <p:nvSpPr>
-          <p:cNvPr id="5" name="object 5"/>
-          <p:cNvSpPr/>
-          <p:nvPr/>
-        </p:nvSpPr>
-        <p:spPr>
-          <a:xfrm>
-            <a:off x="7091053" y="635816"/>
-            <a:ext cx="5089380" cy="76106"/>
-          </a:xfrm>
-          <a:custGeom>
-            <a:avLst/>
-            <a:gdLst/>
-            <a:ahLst/>
-            <a:cxnLst/>
-            <a:rect l="l" t="t" r="r" b="b"/>
-            <a:pathLst>
-              <a:path w="7643494" h="114300">
-                <a:moveTo>
-                  <a:pt x="0" y="114299"/>
-                </a:moveTo>
-                <a:lnTo>
-                  <a:pt x="7643227" y="114299"/>
-                </a:lnTo>
-                <a:lnTo>
-                  <a:pt x="7643227" y="0"/>
-                </a:lnTo>
-                <a:lnTo>
-                  <a:pt x="0" y="0"/>
-                </a:lnTo>
-                <a:lnTo>
-                  <a:pt x="0" y="114299"/>
-                </a:lnTo>
-                <a:close/>
-              </a:path>
-            </a:pathLst>
-          </a:custGeom>
-          <a:solidFill>
-            <a:srgbClr val="000000"/>
-          </a:solidFill>
-        </p:spPr>
-        <p:txBody>
-          <a:bodyPr wrap="square" lIns="0" tIns="0" rIns="0" bIns="0" rtlCol="0"/>
-          <a:lstStyle/>
-          <a:p>
-            <a:pPr defTabSz="608808"/>
-            <a:endParaRPr sz="1198" kern="0">
-              <a:solidFill>
-                <a:sysClr val="windowText" lastClr="000000"/>
-              </a:solidFill>
-            </a:endParaRPr>
-          </a:p>
-        </p:txBody>
-      </p:sp>
-      <p:pic>
-        <p:nvPicPr>
-          <p:cNvPr id="6" name="Imagen 5">
-            <a:extLst>
-              <a:ext uri="{FF2B5EF4-FFF2-40B4-BE49-F238E27FC236}">
-                <a16:creationId xmlns:a16="http://schemas.microsoft.com/office/drawing/2014/main" id="{57AC216B-5877-2624-94B6-9B1F024E5731}"/>
-              </a:ext>
-            </a:extLst>
-          </p:cNvPr>
-          <p:cNvPicPr>
-            <a:picLocks noChangeAspect="1"/>
-          </p:cNvPicPr>
-          <p:nvPr/>
-        </p:nvPicPr>
-        <p:blipFill>
-          <a:blip r:embed="rId3"/>
-          <a:stretch>
-            <a:fillRect/>
-          </a:stretch>
-        </p:blipFill>
-        <p:spPr>
-          <a:xfrm>
-            <a:off x="3289" y="-7809"/>
-            <a:ext cx="10451203" cy="594104"/>
-          </a:xfrm>
-          <a:prstGeom prst="rect">
-            <a:avLst/>
-          </a:prstGeom>
-        </p:spPr>
-      </p:pic>
-      <p:pic>
-        <p:nvPicPr>
-          <p:cNvPr id="7" name="Imagen 6">
-            <a:extLst>
-              <a:ext uri="{FF2B5EF4-FFF2-40B4-BE49-F238E27FC236}">
-                <a16:creationId xmlns:a16="http://schemas.microsoft.com/office/drawing/2014/main" id="{DEDEE210-B779-7D91-363E-7B82B0628914}"/>
-              </a:ext>
-            </a:extLst>
-          </p:cNvPr>
-          <p:cNvPicPr>
-            <a:picLocks noChangeAspect="1"/>
-          </p:cNvPicPr>
-          <p:nvPr/>
-        </p:nvPicPr>
-        <p:blipFill>
-          <a:blip r:embed="rId4"/>
           <a:stretch>
             <a:fillRect/>
           </a:stretch>
